--- a/入力デバイス/資料/論文/俺的論文まとめ　入力デバイス編.pptx
+++ b/入力デバイス/資料/論文/俺的論文まとめ　入力デバイス編.pptx
@@ -3957,7 +3957,7 @@
         <p:spPr>
           <a:xfrm>
             <a:off x="0" y="210030"/>
-            <a:ext cx="12170663" cy="1292662"/>
+            <a:ext cx="12170663" cy="1938992"/>
           </a:xfrm>
           <a:prstGeom prst="rect">
             <a:avLst/>
@@ -3971,6 +3971,89 @@
           <a:lstStyle/>
           <a:p>
             <a:pPr algn="ctr"/>
+            <a:r>
+              <a:rPr lang="en-US" altLang="ja-JP" sz="2400" dirty="0" smtClean="0">
+                <a:solidFill>
+                  <a:schemeClr val="bg1"/>
+                </a:solidFill>
+                <a:latin typeface="HGP創英角ｺﾞｼｯｸUB" panose="020B0900000000000000" pitchFamily="50" charset="-128"/>
+                <a:ea typeface="HGP創英角ｺﾞｼｯｸUB" panose="020B0900000000000000" pitchFamily="50" charset="-128"/>
+              </a:rPr>
+              <a:t>The</a:t>
+            </a:r>
+            <a:r>
+              <a:rPr lang="ja-JP" altLang="en-US" sz="2400" dirty="0">
+                <a:solidFill>
+                  <a:schemeClr val="bg1"/>
+                </a:solidFill>
+                <a:latin typeface="HGP創英角ｺﾞｼｯｸUB" panose="020B0900000000000000" pitchFamily="50" charset="-128"/>
+                <a:ea typeface="HGP創英角ｺﾞｼｯｸUB" panose="020B0900000000000000" pitchFamily="50" charset="-128"/>
+              </a:rPr>
+              <a:t> </a:t>
+            </a:r>
+            <a:r>
+              <a:rPr lang="en-US" altLang="ja-JP" sz="2400" dirty="0" smtClean="0">
+                <a:solidFill>
+                  <a:schemeClr val="bg1"/>
+                </a:solidFill>
+                <a:latin typeface="HGP創英角ｺﾞｼｯｸUB" panose="020B0900000000000000" pitchFamily="50" charset="-128"/>
+                <a:ea typeface="HGP創英角ｺﾞｼｯｸUB" panose="020B0900000000000000" pitchFamily="50" charset="-128"/>
+              </a:rPr>
+              <a:t>PHANTOM</a:t>
+            </a:r>
+            <a:r>
+              <a:rPr lang="ja-JP" altLang="en-US" sz="2400" dirty="0">
+                <a:solidFill>
+                  <a:schemeClr val="bg1"/>
+                </a:solidFill>
+                <a:latin typeface="HGP創英角ｺﾞｼｯｸUB" panose="020B0900000000000000" pitchFamily="50" charset="-128"/>
+                <a:ea typeface="HGP創英角ｺﾞｼｯｸUB" panose="020B0900000000000000" pitchFamily="50" charset="-128"/>
+              </a:rPr>
+              <a:t> </a:t>
+            </a:r>
+            <a:r>
+              <a:rPr lang="en-US" altLang="ja-JP" sz="2400" dirty="0" smtClean="0">
+                <a:solidFill>
+                  <a:schemeClr val="bg1"/>
+                </a:solidFill>
+                <a:latin typeface="HGP創英角ｺﾞｼｯｸUB" panose="020B0900000000000000" pitchFamily="50" charset="-128"/>
+                <a:ea typeface="HGP創英角ｺﾞｼｯｸUB" panose="020B0900000000000000" pitchFamily="50" charset="-128"/>
+              </a:rPr>
+              <a:t>Haptic</a:t>
+            </a:r>
+            <a:r>
+              <a:rPr lang="ja-JP" altLang="en-US" sz="2400" dirty="0">
+                <a:solidFill>
+                  <a:schemeClr val="bg1"/>
+                </a:solidFill>
+                <a:latin typeface="HGP創英角ｺﾞｼｯｸUB" panose="020B0900000000000000" pitchFamily="50" charset="-128"/>
+                <a:ea typeface="HGP創英角ｺﾞｼｯｸUB" panose="020B0900000000000000" pitchFamily="50" charset="-128"/>
+              </a:rPr>
+              <a:t> </a:t>
+            </a:r>
+            <a:r>
+              <a:rPr lang="en-US" altLang="ja-JP" sz="2400" dirty="0" smtClean="0">
+                <a:solidFill>
+                  <a:schemeClr val="bg1"/>
+                </a:solidFill>
+                <a:latin typeface="HGP創英角ｺﾞｼｯｸUB" panose="020B0900000000000000" pitchFamily="50" charset="-128"/>
+                <a:ea typeface="HGP創英角ｺﾞｼｯｸUB" panose="020B0900000000000000" pitchFamily="50" charset="-128"/>
+              </a:rPr>
+              <a:t>Interface: </a:t>
+            </a:r>
+          </a:p>
+          <a:p>
+            <a:pPr algn="ctr"/>
+            <a:r>
+              <a:rPr lang="en-US" altLang="ja-JP" sz="2400" dirty="0" smtClean="0">
+                <a:solidFill>
+                  <a:schemeClr val="bg1"/>
+                </a:solidFill>
+                <a:latin typeface="HGP創英角ｺﾞｼｯｸUB" panose="020B0900000000000000" pitchFamily="50" charset="-128"/>
+                <a:ea typeface="HGP創英角ｺﾞｼｯｸUB" panose="020B0900000000000000" pitchFamily="50" charset="-128"/>
+              </a:rPr>
+              <a:t>A</a:t>
+            </a:r>
             <a:r>
               <a:rPr lang="ja-JP" altLang="en-US" sz="2400" dirty="0" smtClean="0">
                 <a:solidFill>
@@ -3979,7 +4062,17 @@
                 <a:latin typeface="HGP創英角ｺﾞｼｯｸUB" panose="020B0900000000000000" pitchFamily="50" charset="-128"/>
                 <a:ea typeface="HGP創英角ｺﾞｼｯｸUB" panose="020B0900000000000000" pitchFamily="50" charset="-128"/>
               </a:rPr>
-              <a:t>ト</a:t>
+              <a:t> </a:t>
+            </a:r>
+            <a:r>
+              <a:rPr lang="en-US" altLang="ja-JP" sz="2400" dirty="0" smtClean="0">
+                <a:solidFill>
+                  <a:schemeClr val="bg1"/>
+                </a:solidFill>
+                <a:latin typeface="HGP創英角ｺﾞｼｯｸUB" panose="020B0900000000000000" pitchFamily="50" charset="-128"/>
+                <a:ea typeface="HGP創英角ｺﾞｼｯｸUB" panose="020B0900000000000000" pitchFamily="50" charset="-128"/>
+              </a:rPr>
+              <a:t>Device for Probing Virtual Objects</a:t>
             </a:r>
             <a:endParaRPr lang="en-US" altLang="ja-JP" sz="2400" dirty="0" smtClean="0">
               <a:solidFill>
@@ -4002,28 +4095,12 @@
           <a:p>
             <a:pPr algn="ctr"/>
             <a:r>
-              <a:rPr lang="ja-JP" altLang="en-US" dirty="0" smtClean="0">
-                <a:solidFill>
-                  <a:schemeClr val="bg1"/>
-                </a:solidFill>
-              </a:rPr>
-              <a:t>右</a:t>
-            </a:r>
-            <a:r>
               <a:rPr lang="en-US" altLang="ja-JP" dirty="0" smtClean="0">
                 <a:solidFill>
                   <a:schemeClr val="bg1"/>
                 </a:solidFill>
               </a:rPr>
-              <a:t>/</a:t>
-            </a:r>
-            <a:r>
-              <a:rPr lang="ja-JP" altLang="en-US" dirty="0" smtClean="0">
-                <a:solidFill>
-                  <a:schemeClr val="bg1"/>
-                </a:solidFill>
-              </a:rPr>
-              <a:t>介</a:t>
+              <a:t>Thomas H. Massie/</a:t>
             </a:r>
             <a:r>
               <a:rPr lang="en-US" altLang="ja-JP" dirty="0" smtClean="0">
@@ -4031,7 +4108,23 @@
                   <a:schemeClr val="bg1"/>
                 </a:solidFill>
               </a:rPr>
-              <a:t> --- 2017</a:t>
+              <a:t>J. K. Salisbury</a:t>
+            </a:r>
+            <a:r>
+              <a:rPr lang="en-US" altLang="ja-JP" dirty="0" smtClean="0">
+                <a:solidFill>
+                  <a:schemeClr val="bg1"/>
+                </a:solidFill>
+              </a:rPr>
+              <a:t> </a:t>
+            </a:r>
+            <a:r>
+              <a:rPr lang="en-US" altLang="ja-JP" dirty="0" smtClean="0">
+                <a:solidFill>
+                  <a:schemeClr val="bg1"/>
+                </a:solidFill>
+              </a:rPr>
+              <a:t>--- 2017</a:t>
             </a:r>
             <a:r>
               <a:rPr lang="ja-JP" altLang="en-US" dirty="0">
@@ -4058,38 +4151,21 @@
           <a:p>
             <a:pPr algn="ctr"/>
             <a:r>
-              <a:rPr lang="ja-JP" altLang="en-US" i="1" dirty="0">
-                <a:solidFill>
-                  <a:schemeClr val="accent2">
-                    <a:lumMod val="40000"/>
-                    <a:lumOff val="60000"/>
-                  </a:schemeClr>
-                </a:solidFill>
+              <a:rPr lang="en-US" altLang="ja-JP" dirty="0">
+                <a:hlinkClick r:id="rId2"/>
               </a:rPr>
-              <a:t>機械</a:t>
-            </a:r>
-            <a:r>
-              <a:rPr lang="ja-JP" altLang="en-US" i="1" dirty="0" smtClean="0">
-                <a:solidFill>
-                  <a:schemeClr val="accent2">
-                    <a:lumMod val="40000"/>
-                    <a:lumOff val="60000"/>
-                  </a:schemeClr>
-                </a:solidFill>
+              <a:t>http://</a:t>
+            </a:r>
+            <a:r>
+              <a:rPr lang="en-US" altLang="ja-JP" dirty="0" smtClean="0">
+                <a:hlinkClick r:id="rId2"/>
               </a:rPr>
-              <a:t>学習の</a:t>
-            </a:r>
-            <a:r>
-              <a:rPr lang="en-US" altLang="ja-JP" i="1" dirty="0" smtClean="0">
-                <a:solidFill>
-                  <a:schemeClr val="accent2">
-                    <a:lumMod val="40000"/>
-                    <a:lumOff val="60000"/>
-                  </a:schemeClr>
-                </a:solidFill>
-              </a:rPr>
-              <a:t>CD</a:t>
-            </a:r>
+              <a:t>citeseerx.ist.psu.edu/viewdoc/download?doi=10.1.1.361.4710&amp;rep=rep1&amp;type=pdf</a:t>
+            </a:r>
+            <a:endParaRPr lang="en-US" altLang="ja-JP" dirty="0" smtClean="0"/>
+          </a:p>
+          <a:p>
+            <a:pPr algn="ctr"/>
             <a:endParaRPr lang="en-US" altLang="ja-JP" dirty="0"/>
           </a:p>
         </p:txBody>
@@ -9149,23 +9225,7 @@
                   <a:schemeClr val="bg1"/>
                 </a:solidFill>
               </a:rPr>
-              <a:t> </a:t>
-            </a:r>
-            <a:r>
-              <a:rPr lang="en-US" altLang="ja-JP" dirty="0" smtClean="0">
-                <a:solidFill>
-                  <a:schemeClr val="bg1"/>
-                </a:solidFill>
-              </a:rPr>
-              <a:t>--- </a:t>
-            </a:r>
-            <a:r>
-              <a:rPr lang="en-US" altLang="ja-JP" dirty="0" smtClean="0">
-                <a:solidFill>
-                  <a:schemeClr val="bg1"/>
-                </a:solidFill>
-              </a:rPr>
-              <a:t>199</a:t>
+              <a:t> --- 199</a:t>
             </a:r>
             <a:r>
               <a:rPr lang="en-US" altLang="ja-JP" dirty="0">
@@ -9884,15 +9944,7 @@
                   <a:schemeClr val="bg1"/>
                 </a:solidFill>
               </a:rPr>
-              <a:t> </a:t>
-            </a:r>
-            <a:r>
-              <a:rPr lang="en-US" altLang="ja-JP" dirty="0" smtClean="0">
-                <a:solidFill>
-                  <a:schemeClr val="bg1"/>
-                </a:solidFill>
-              </a:rPr>
-              <a:t>--- 2017</a:t>
+              <a:t> --- 2017</a:t>
             </a:r>
             <a:r>
               <a:rPr lang="ja-JP" altLang="en-US" dirty="0">
@@ -10188,22 +10240,14 @@
           <a:p>
             <a:r>
               <a:rPr lang="ja-JP" altLang="en-US" dirty="0" smtClean="0"/>
-              <a:t>ヒト指の感覚受容体はマイスナー小体，メルケル小体，パチニ小体，ルフィニ終末がありそれぞれに異なる受容</a:t>
-            </a:r>
+              <a:t>ヒト指の感覚受容体はマイスナー小体，メルケル小体，パチニ小体，ルフィニ終末がありそれぞれに異なる受容速度と役割を持つ．</a:t>
+            </a:r>
+            <a:endParaRPr lang="en-US" altLang="ja-JP" dirty="0" smtClean="0"/>
+          </a:p>
+          <a:p>
             <a:r>
               <a:rPr lang="ja-JP" altLang="en-US" dirty="0" smtClean="0"/>
-              <a:t>速度と役割を持つ．</a:t>
-            </a:r>
-            <a:endParaRPr lang="en-US" altLang="ja-JP" dirty="0" smtClean="0"/>
-          </a:p>
-          <a:p>
-            <a:r>
-              <a:rPr lang="ja-JP" altLang="en-US" dirty="0" smtClean="0"/>
-              <a:t>指紋は対象への接触面積を複雑にすることで指紋直下に整然と並んでいるマイスナー小体の受容感度</a:t>
-            </a:r>
-            <a:r>
-              <a:rPr lang="ja-JP" altLang="en-US" dirty="0" smtClean="0"/>
-              <a:t>を向上させる役割を持つ．これにより表面凹凸の知覚に重要．</a:t>
+              <a:t>指紋は対象への接触面積を複雑にすることで指紋直下に整然と並んでいるマイスナー小体の受容感度を向上させる役割を持つ．これにより表面凹凸の知覚に重要．</a:t>
             </a:r>
             <a:endParaRPr lang="en-US" altLang="ja-JP" dirty="0" smtClean="0"/>
           </a:p>
@@ -10669,13 +10713,6 @@
               </a:rPr>
               <a:t>-</a:t>
             </a:r>
-            <a:endParaRPr lang="en-US" altLang="ja-JP" sz="2400" dirty="0" smtClean="0">
-              <a:solidFill>
-                <a:schemeClr val="bg1"/>
-              </a:solidFill>
-              <a:latin typeface="HGP創英角ｺﾞｼｯｸUB" panose="020B0900000000000000" pitchFamily="50" charset="-128"/>
-              <a:ea typeface="HGP創英角ｺﾞｼｯｸUB" panose="020B0900000000000000" pitchFamily="50" charset="-128"/>
-            </a:endParaRPr>
           </a:p>
           <a:p>
             <a:pPr algn="ctr"/>
@@ -10719,23 +10756,7 @@
                   <a:schemeClr val="bg1"/>
                 </a:solidFill>
               </a:rPr>
-              <a:t> </a:t>
-            </a:r>
-            <a:r>
-              <a:rPr lang="en-US" altLang="ja-JP" dirty="0" smtClean="0">
-                <a:solidFill>
-                  <a:schemeClr val="bg1"/>
-                </a:solidFill>
-              </a:rPr>
-              <a:t>--- </a:t>
-            </a:r>
-            <a:r>
-              <a:rPr lang="en-US" altLang="ja-JP" dirty="0" smtClean="0">
-                <a:solidFill>
-                  <a:schemeClr val="bg1"/>
-                </a:solidFill>
-              </a:rPr>
-              <a:t>2003</a:t>
+              <a:t> --- 2003</a:t>
             </a:r>
             <a:r>
               <a:rPr lang="ja-JP" altLang="en-US" dirty="0" smtClean="0">
@@ -11528,23 +11549,7 @@
                   <a:schemeClr val="bg1"/>
                 </a:solidFill>
               </a:rPr>
-              <a:t> </a:t>
-            </a:r>
-            <a:r>
-              <a:rPr lang="en-US" altLang="ja-JP" dirty="0" smtClean="0">
-                <a:solidFill>
-                  <a:schemeClr val="bg1"/>
-                </a:solidFill>
-              </a:rPr>
-              <a:t>--- </a:t>
-            </a:r>
-            <a:r>
-              <a:rPr lang="en-US" altLang="ja-JP" dirty="0" smtClean="0">
-                <a:solidFill>
-                  <a:schemeClr val="bg1"/>
-                </a:solidFill>
-              </a:rPr>
-              <a:t>199</a:t>
+              <a:t> --- 199</a:t>
             </a:r>
             <a:r>
               <a:rPr lang="en-US" altLang="ja-JP" dirty="0">
@@ -11635,6 +11640,78 @@
           <a:chExt cx="0" cy="0"/>
         </a:xfrm>
       </p:grpSpPr>
+      <p:pic>
+        <p:nvPicPr>
+          <p:cNvPr id="4" name="図 3"/>
+          <p:cNvPicPr>
+            <a:picLocks noChangeAspect="1"/>
+          </p:cNvPicPr>
+          <p:nvPr/>
+        </p:nvPicPr>
+        <p:blipFill>
+          <a:blip r:embed="rId2"/>
+          <a:stretch>
+            <a:fillRect/>
+          </a:stretch>
+        </p:blipFill>
+        <p:spPr>
+          <a:xfrm>
+            <a:off x="3642922" y="95038"/>
+            <a:ext cx="2982531" cy="1848597"/>
+          </a:xfrm>
+          <a:prstGeom prst="rect">
+            <a:avLst/>
+          </a:prstGeom>
+        </p:spPr>
+      </p:pic>
+      <p:pic>
+        <p:nvPicPr>
+          <p:cNvPr id="3" name="図 2"/>
+          <p:cNvPicPr>
+            <a:picLocks noChangeAspect="1"/>
+          </p:cNvPicPr>
+          <p:nvPr/>
+        </p:nvPicPr>
+        <p:blipFill>
+          <a:blip r:embed="rId3"/>
+          <a:stretch>
+            <a:fillRect/>
+          </a:stretch>
+        </p:blipFill>
+        <p:spPr>
+          <a:xfrm>
+            <a:off x="7244208" y="240853"/>
+            <a:ext cx="3039704" cy="1629434"/>
+          </a:xfrm>
+          <a:prstGeom prst="rect">
+            <a:avLst/>
+          </a:prstGeom>
+        </p:spPr>
+      </p:pic>
+      <p:pic>
+        <p:nvPicPr>
+          <p:cNvPr id="2" name="図 1"/>
+          <p:cNvPicPr>
+            <a:picLocks noChangeAspect="1"/>
+          </p:cNvPicPr>
+          <p:nvPr/>
+        </p:nvPicPr>
+        <p:blipFill>
+          <a:blip r:embed="rId4"/>
+          <a:stretch>
+            <a:fillRect/>
+          </a:stretch>
+        </p:blipFill>
+        <p:spPr>
+          <a:xfrm>
+            <a:off x="136926" y="508521"/>
+            <a:ext cx="2887242" cy="1133933"/>
+          </a:xfrm>
+          <a:prstGeom prst="rect">
+            <a:avLst/>
+          </a:prstGeom>
+        </p:spPr>
+      </p:pic>
       <p:sp>
         <p:nvSpPr>
           <p:cNvPr id="31" name="テキスト ボックス"/>
@@ -11657,10 +11734,10 @@
           </a:bodyPr>
           <a:lstStyle/>
           <a:p>
-            <a:endParaRPr lang="en-US" altLang="ja-JP" dirty="0" smtClean="0"/>
-          </a:p>
-          <a:p>
-            <a:endParaRPr lang="en-US" altLang="ja-JP" dirty="0"/>
+            <a:r>
+              <a:rPr lang="en-US" altLang="ja-JP" dirty="0" smtClean="0"/>
+              <a:t>A method of selective stimulation to epidermal skin receptors for realistic touch feedback/1999</a:t>
+            </a:r>
           </a:p>
           <a:p>
             <a:endParaRPr lang="ja-JP" altLang="en-US" dirty="0"/>
@@ -11726,7 +11803,7 @@
         <p:spPr>
           <a:xfrm>
             <a:off x="6138672" y="4215160"/>
-            <a:ext cx="5250776" cy="646331"/>
+            <a:ext cx="5250776" cy="369332"/>
           </a:xfrm>
           <a:prstGeom prst="rect">
             <a:avLst/>
@@ -11739,10 +11816,15 @@
           </a:bodyPr>
           <a:lstStyle/>
           <a:p>
+            <a:r>
+              <a:rPr lang="ja-JP" altLang="en-US" dirty="0"/>
+              <a:t>皮膚</a:t>
+            </a:r>
+            <a:r>
+              <a:rPr lang="ja-JP" altLang="en-US" dirty="0" smtClean="0"/>
+              <a:t>の状態によって感度が変わる．</a:t>
+            </a:r>
             <a:endParaRPr lang="en-US" altLang="ja-JP" dirty="0" smtClean="0"/>
-          </a:p>
-          <a:p>
-            <a:endParaRPr lang="ja-JP" altLang="en-US" dirty="0"/>
           </a:p>
         </p:txBody>
       </p:sp>
@@ -11805,7 +11887,7 @@
         <p:spPr>
           <a:xfrm>
             <a:off x="6138672" y="2691863"/>
-            <a:ext cx="5250776" cy="646331"/>
+            <a:ext cx="5250776" cy="369332"/>
           </a:xfrm>
           <a:prstGeom prst="rect">
             <a:avLst/>
@@ -11818,10 +11900,11 @@
           </a:bodyPr>
           <a:lstStyle/>
           <a:p>
+            <a:r>
+              <a:rPr lang="ja-JP" altLang="en-US" dirty="0" smtClean="0"/>
+              <a:t>実際に経皮電気刺激を行った．</a:t>
+            </a:r>
             <a:endParaRPr lang="en-US" altLang="ja-JP" dirty="0" smtClean="0"/>
-          </a:p>
-          <a:p>
-            <a:endParaRPr lang="ja-JP" altLang="en-US" dirty="0"/>
           </a:p>
         </p:txBody>
       </p:sp>
@@ -11880,7 +11963,7 @@
         <p:spPr>
           <a:xfrm>
             <a:off x="594448" y="5532051"/>
-            <a:ext cx="4859440" cy="923330"/>
+            <a:ext cx="4859440" cy="1200329"/>
           </a:xfrm>
           <a:prstGeom prst="rect">
             <a:avLst/>
@@ -11893,17 +11976,35 @@
           </a:bodyPr>
           <a:lstStyle/>
           <a:p>
+            <a:r>
+              <a:rPr lang="ja-JP" altLang="en-US" dirty="0" smtClean="0"/>
+              <a:t>電気信号を用いて単一の感覚受容体に対して別々に刺激を入力した．軸索発火の判断基準関数をモデル化．</a:t>
+            </a:r>
+            <a:r>
+              <a:rPr lang="en-US" altLang="ja-JP" dirty="0" smtClean="0"/>
+              <a:t>SAI</a:t>
+            </a:r>
+            <a:r>
+              <a:rPr lang="ja-JP" altLang="en-US" dirty="0" smtClean="0"/>
+              <a:t>が圧覚，</a:t>
+            </a:r>
+            <a:r>
+              <a:rPr lang="en-US" altLang="ja-JP" dirty="0" smtClean="0"/>
+              <a:t>PC</a:t>
+            </a:r>
+            <a:r>
+              <a:rPr lang="ja-JP" altLang="en-US" dirty="0" smtClean="0"/>
+              <a:t>が高周波振動，</a:t>
+            </a:r>
+            <a:r>
+              <a:rPr lang="en-US" altLang="ja-JP" dirty="0" smtClean="0"/>
+              <a:t>RA</a:t>
+            </a:r>
+            <a:r>
+              <a:rPr lang="ja-JP" altLang="en-US" dirty="0" smtClean="0"/>
+              <a:t>が低周波振動を感知する．</a:t>
+            </a:r>
             <a:endParaRPr lang="en-US" altLang="ja-JP" dirty="0" smtClean="0"/>
-          </a:p>
-          <a:p>
-            <a:r>
-              <a:rPr lang="ja-JP" altLang="en-US" dirty="0" err="1" smtClean="0"/>
-              <a:t>．</a:t>
-            </a:r>
-            <a:endParaRPr lang="ja-JP" altLang="en-US" dirty="0"/>
-          </a:p>
-          <a:p>
-            <a:endParaRPr kumimoji="1" lang="ja-JP" altLang="en-US" dirty="0"/>
           </a:p>
         </p:txBody>
       </p:sp>
@@ -11957,8 +12058,8 @@
         </p:nvSpPr>
         <p:spPr>
           <a:xfrm>
-            <a:off x="594448" y="4008557"/>
-            <a:ext cx="4859440" cy="646331"/>
+            <a:off x="594447" y="4008557"/>
+            <a:ext cx="5293005" cy="923330"/>
           </a:xfrm>
           <a:prstGeom prst="rect">
             <a:avLst/>
@@ -11971,10 +12072,11 @@
           </a:bodyPr>
           <a:lstStyle/>
           <a:p>
+            <a:r>
+              <a:rPr lang="ja-JP" altLang="en-US" dirty="0" smtClean="0"/>
+              <a:t>刺激の原色の設計を試みた．刺激手段としてマトリックス配置のピンではなく電気信号を使う．またそれぞれの感覚受容体に対して別々に刺激を入力する点．</a:t>
+            </a:r>
             <a:endParaRPr kumimoji="1" lang="en-US" altLang="ja-JP" dirty="0" smtClean="0"/>
-          </a:p>
-          <a:p>
-            <a:endParaRPr kumimoji="1" lang="ja-JP" altLang="en-US" dirty="0"/>
           </a:p>
         </p:txBody>
       </p:sp>
@@ -12049,7 +12151,7 @@
         <p:spPr>
           <a:xfrm>
             <a:off x="594448" y="2696324"/>
-            <a:ext cx="4434840" cy="369332"/>
+            <a:ext cx="4434840" cy="646331"/>
           </a:xfrm>
           <a:prstGeom prst="rect">
             <a:avLst/>
@@ -12063,8 +12165,8 @@
           <a:lstStyle/>
           <a:p>
             <a:r>
-              <a:rPr lang="ja-JP" altLang="en-US" dirty="0" err="1" smtClean="0"/>
-              <a:t>．</a:t>
+              <a:rPr lang="ja-JP" altLang="en-US" dirty="0" smtClean="0"/>
+              <a:t>経皮電気電流刺激により皮膚感覚を生成する触覚ディスプレイ．</a:t>
             </a:r>
             <a:endParaRPr kumimoji="1" lang="ja-JP" altLang="en-US" dirty="0"/>
           </a:p>
@@ -12216,7 +12318,7 @@
         <p:spPr>
           <a:xfrm>
             <a:off x="0" y="210030"/>
-            <a:ext cx="12170663" cy="1292662"/>
+            <a:ext cx="12170663" cy="1569660"/>
           </a:xfrm>
           <a:prstGeom prst="rect">
             <a:avLst/>
@@ -12238,7 +12340,7 @@
                 <a:latin typeface="HGP創英角ｺﾞｼｯｸUB" panose="020B0900000000000000" pitchFamily="50" charset="-128"/>
                 <a:ea typeface="HGP創英角ｺﾞｼｯｸUB" panose="020B0900000000000000" pitchFamily="50" charset="-128"/>
               </a:rPr>
-              <a:t>ト</a:t>
+              <a:t>皮膚感覚神経を選択的に刺激する電気触覚ディスプレイ</a:t>
             </a:r>
             <a:endParaRPr lang="en-US" altLang="ja-JP" sz="2400" dirty="0" smtClean="0">
               <a:solidFill>
@@ -12266,7 +12368,7 @@
                   <a:schemeClr val="bg1"/>
                 </a:solidFill>
               </a:rPr>
-              <a:t>右</a:t>
+              <a:t>梶本裕之</a:t>
             </a:r>
             <a:r>
               <a:rPr lang="en-US" altLang="ja-JP" dirty="0" smtClean="0">
@@ -12282,7 +12384,7 @@
                   <a:schemeClr val="bg1"/>
                 </a:solidFill>
               </a:rPr>
-              <a:t>介</a:t>
+              <a:t>川上直樹</a:t>
             </a:r>
             <a:r>
               <a:rPr lang="en-US" altLang="ja-JP" dirty="0" smtClean="0">
@@ -12290,10 +12392,50 @@
                   <a:schemeClr val="bg1"/>
                 </a:solidFill>
               </a:rPr>
-              <a:t> --- 2017</a:t>
-            </a:r>
-            <a:r>
-              <a:rPr lang="ja-JP" altLang="en-US" dirty="0">
+              <a:t>/</a:t>
+            </a:r>
+            <a:r>
+              <a:rPr lang="ja-JP" altLang="en-US" dirty="0" smtClean="0">
+                <a:solidFill>
+                  <a:schemeClr val="bg1"/>
+                </a:solidFill>
+              </a:rPr>
+              <a:t>前田太郎</a:t>
+            </a:r>
+            <a:r>
+              <a:rPr lang="en-US" altLang="ja-JP" dirty="0" smtClean="0">
+                <a:solidFill>
+                  <a:schemeClr val="bg1"/>
+                </a:solidFill>
+              </a:rPr>
+              <a:t> </a:t>
+            </a:r>
+            <a:r>
+              <a:rPr lang="en-US" altLang="ja-JP" dirty="0" smtClean="0">
+                <a:solidFill>
+                  <a:schemeClr val="bg1"/>
+                </a:solidFill>
+              </a:rPr>
+              <a:t>--- </a:t>
+            </a:r>
+            <a:r>
+              <a:rPr lang="en-US" altLang="ja-JP" dirty="0" smtClean="0">
+                <a:solidFill>
+                  <a:schemeClr val="bg1"/>
+                </a:solidFill>
+              </a:rPr>
+              <a:t>200</a:t>
+            </a:r>
+            <a:r>
+              <a:rPr lang="en-US" altLang="ja-JP" dirty="0">
+                <a:solidFill>
+                  <a:schemeClr val="bg1"/>
+                </a:solidFill>
+              </a:rPr>
+              <a:t>1</a:t>
+            </a:r>
+            <a:r>
+              <a:rPr lang="ja-JP" altLang="en-US" dirty="0" smtClean="0">
                 <a:solidFill>
                   <a:schemeClr val="bg1"/>
                 </a:solidFill>
@@ -12317,38 +12459,18 @@
           <a:p>
             <a:pPr algn="ctr"/>
             <a:r>
-              <a:rPr lang="ja-JP" altLang="en-US" i="1" dirty="0">
-                <a:solidFill>
-                  <a:schemeClr val="accent2">
-                    <a:lumMod val="40000"/>
-                    <a:lumOff val="60000"/>
-                  </a:schemeClr>
-                </a:solidFill>
+              <a:rPr lang="en-US" altLang="ja-JP" dirty="0">
+                <a:hlinkClick r:id="rId5"/>
               </a:rPr>
-              <a:t>機械</a:t>
-            </a:r>
-            <a:r>
-              <a:rPr lang="ja-JP" altLang="en-US" i="1" dirty="0" smtClean="0">
-                <a:solidFill>
-                  <a:schemeClr val="accent2">
-                    <a:lumMod val="40000"/>
-                    <a:lumOff val="60000"/>
-                  </a:schemeClr>
-                </a:solidFill>
-              </a:rPr>
-              <a:t>学習の</a:t>
-            </a:r>
-            <a:r>
-              <a:rPr lang="en-US" altLang="ja-JP" i="1" dirty="0" smtClean="0">
-                <a:solidFill>
-                  <a:schemeClr val="accent2">
-                    <a:lumMod val="40000"/>
-                    <a:lumOff val="60000"/>
-                  </a:schemeClr>
-                </a:solidFill>
-              </a:rPr>
-              <a:t>CD</a:t>
-            </a:r>
+              <a:t>http://search.ieice.org/bin/pdf.php?lang=J&amp;year=2001&amp;fname=j84-d2_1_120&amp;abst</a:t>
+            </a:r>
+            <a:r>
+              <a:rPr lang="en-US" altLang="ja-JP" dirty="0" smtClean="0"/>
+              <a:t>=</a:t>
+            </a:r>
+          </a:p>
+          <a:p>
+            <a:pPr algn="ctr"/>
             <a:endParaRPr lang="en-US" altLang="ja-JP" dirty="0"/>
           </a:p>
         </p:txBody>
